--- a/images/recruite/배너.pptx
+++ b/images/recruite/배너.pptx
@@ -111,6 +111,11 @@
       </a:defRPr>
     </a:lvl9pPr>
   </p:defaultTextStyle>
+  <p:extLst>
+    <p:ext uri="{EFAFB233-063F-42B5-8137-9DF3F51BA10A}">
+      <p15:sldGuideLst xmlns:p15="http://schemas.microsoft.com/office/powerpoint/2012/main"/>
+    </p:ext>
+  </p:extLst>
 </p:presentation>
 </file>
 
@@ -1484,7 +1489,23 @@
                   <a:schemeClr val="tx1"/>
                 </a:solidFill>
               </a:rPr>
-              <a:t>학기 링크 참조</a:t>
+              <a:t>학기 </a:t>
+            </a:r>
+            <a:r>
+              <a:rPr lang="ko-KR" altLang="en-US" sz="2400" b="1" u="sng" dirty="0">
+                <a:solidFill>
+                  <a:srgbClr val="0000FF"/>
+                </a:solidFill>
+              </a:rPr>
+              <a:t>링크</a:t>
+            </a:r>
+            <a:r>
+              <a:rPr lang="ko-KR" altLang="en-US" sz="2400" dirty="0">
+                <a:solidFill>
+                  <a:schemeClr val="tx1"/>
+                </a:solidFill>
+              </a:rPr>
+              <a:t> 참조</a:t>
             </a:r>
             <a:endParaRPr lang="en-US" altLang="ko-KR" sz="2400" dirty="0">
               <a:solidFill>
